--- a/Arquivos/Apresentação/Slide.pptx
+++ b/Arquivos/Apresentação/Slide.pptx
@@ -34,27 +34,27 @@
       <p:boldItalic r:id="rId20"/>
     </p:embeddedFont>
     <p:embeddedFont>
-      <p:font typeface="Archivo ExtraBold" panose="020B0604020202020204" charset="0"/>
-      <p:bold r:id="rId21"/>
-      <p:boldItalic r:id="rId22"/>
+      <p:font typeface="Raleway" panose="020B0604020202020204" charset="0"/>
+      <p:regular r:id="rId21"/>
+      <p:bold r:id="rId22"/>
+      <p:italic r:id="rId23"/>
+      <p:boldItalic r:id="rId24"/>
     </p:embeddedFont>
     <p:embeddedFont>
       <p:font typeface="Assistant" panose="020B0604020202020204" charset="-79"/>
-      <p:regular r:id="rId23"/>
-      <p:bold r:id="rId24"/>
+      <p:regular r:id="rId25"/>
+      <p:bold r:id="rId26"/>
     </p:embeddedFont>
     <p:embeddedFont>
       <p:font typeface="Open Sans" panose="020B0604020202020204" charset="0"/>
-      <p:regular r:id="rId25"/>
-      <p:bold r:id="rId26"/>
-      <p:italic r:id="rId27"/>
-      <p:boldItalic r:id="rId28"/>
+      <p:regular r:id="rId27"/>
+      <p:bold r:id="rId28"/>
+      <p:italic r:id="rId29"/>
+      <p:boldItalic r:id="rId30"/>
     </p:embeddedFont>
     <p:embeddedFont>
-      <p:font typeface="Raleway" panose="020B0604020202020204" charset="0"/>
-      <p:regular r:id="rId29"/>
-      <p:bold r:id="rId30"/>
-      <p:italic r:id="rId31"/>
+      <p:font typeface="Archivo ExtraBold" panose="020B0604020202020204" charset="0"/>
+      <p:bold r:id="rId31"/>
       <p:boldItalic r:id="rId32"/>
     </p:embeddedFont>
   </p:embeddedFontLst>
@@ -16602,6 +16602,10 @@
               <a:rPr lang="en" sz="4800" dirty="0"/>
               <a:t>Experiência do Usuário</a:t>
             </a:r>
+            <a:r>
+              <a:rPr lang="en" dirty="0"/>
+              <a:t/>
+            </a:r>
             <a:br>
               <a:rPr lang="en" dirty="0"/>
             </a:br>
@@ -17211,6 +17215,18 @@
                 <a:sym typeface="Assistant"/>
               </a:rPr>
             </a:br>
+            <a:r>
+              <a:rPr lang="pt-BR" dirty="0">
+                <a:solidFill>
+                  <a:schemeClr val="accent1"/>
+                </a:solidFill>
+                <a:latin typeface="Assistant"/>
+                <a:ea typeface="Assistant"/>
+                <a:cs typeface="Assistant"/>
+                <a:sym typeface="Assistant"/>
+              </a:rPr>
+              <a:t/>
+            </a:r>
             <a:br>
               <a:rPr lang="pt-BR" dirty="0">
                 <a:solidFill>
@@ -17245,6 +17261,18 @@
                 <a:sym typeface="Assistant"/>
               </a:rPr>
             </a:br>
+            <a:r>
+              <a:rPr lang="pt-BR" dirty="0">
+                <a:solidFill>
+                  <a:schemeClr val="accent1"/>
+                </a:solidFill>
+                <a:latin typeface="Assistant"/>
+                <a:ea typeface="Assistant"/>
+                <a:cs typeface="Assistant"/>
+                <a:sym typeface="Assistant"/>
+              </a:rPr>
+              <a:t/>
+            </a:r>
             <a:br>
               <a:rPr lang="pt-BR" dirty="0">
                 <a:solidFill>
@@ -17279,6 +17307,18 @@
                 <a:sym typeface="Assistant"/>
               </a:rPr>
             </a:br>
+            <a:r>
+              <a:rPr lang="pt-BR" dirty="0">
+                <a:solidFill>
+                  <a:schemeClr val="accent1"/>
+                </a:solidFill>
+                <a:latin typeface="Assistant"/>
+                <a:ea typeface="Assistant"/>
+                <a:cs typeface="Assistant"/>
+                <a:sym typeface="Assistant"/>
+              </a:rPr>
+              <a:t/>
+            </a:r>
             <a:br>
               <a:rPr lang="pt-BR" dirty="0">
                 <a:solidFill>
@@ -17313,6 +17353,18 @@
                 <a:sym typeface="Assistant"/>
               </a:rPr>
             </a:br>
+            <a:r>
+              <a:rPr lang="pt-BR" dirty="0">
+                <a:solidFill>
+                  <a:schemeClr val="accent1"/>
+                </a:solidFill>
+                <a:latin typeface="Assistant"/>
+                <a:ea typeface="Assistant"/>
+                <a:cs typeface="Assistant"/>
+                <a:sym typeface="Assistant"/>
+              </a:rPr>
+              <a:t/>
+            </a:r>
             <a:br>
               <a:rPr lang="pt-BR" dirty="0">
                 <a:solidFill>
@@ -17915,6 +17967,18 @@
                 <a:sym typeface="Assistant"/>
               </a:rPr>
             </a:br>
+            <a:r>
+              <a:rPr lang="pt-BR" dirty="0">
+                <a:solidFill>
+                  <a:schemeClr val="accent1"/>
+                </a:solidFill>
+                <a:latin typeface="Assistant"/>
+                <a:ea typeface="Assistant"/>
+                <a:cs typeface="Assistant"/>
+                <a:sym typeface="Assistant"/>
+              </a:rPr>
+              <a:t/>
+            </a:r>
             <a:br>
               <a:rPr lang="pt-BR" dirty="0">
                 <a:solidFill>
@@ -17949,6 +18013,18 @@
                 <a:sym typeface="Assistant"/>
               </a:rPr>
             </a:br>
+            <a:r>
+              <a:rPr lang="pt-BR" dirty="0">
+                <a:solidFill>
+                  <a:schemeClr val="accent1"/>
+                </a:solidFill>
+                <a:latin typeface="Assistant"/>
+                <a:ea typeface="Assistant"/>
+                <a:cs typeface="Assistant"/>
+                <a:sym typeface="Assistant"/>
+              </a:rPr>
+              <a:t/>
+            </a:r>
             <a:br>
               <a:rPr lang="pt-BR" dirty="0">
                 <a:solidFill>
@@ -17983,6 +18059,18 @@
                 <a:sym typeface="Assistant"/>
               </a:rPr>
             </a:br>
+            <a:r>
+              <a:rPr lang="pt-BR" dirty="0">
+                <a:solidFill>
+                  <a:schemeClr val="accent1"/>
+                </a:solidFill>
+                <a:latin typeface="Assistant"/>
+                <a:ea typeface="Assistant"/>
+                <a:cs typeface="Assistant"/>
+                <a:sym typeface="Assistant"/>
+              </a:rPr>
+              <a:t/>
+            </a:r>
             <a:br>
               <a:rPr lang="pt-BR" dirty="0">
                 <a:solidFill>
@@ -18017,6 +18105,18 @@
                 <a:sym typeface="Assistant"/>
               </a:rPr>
             </a:br>
+            <a:r>
+              <a:rPr lang="pt-BR" dirty="0">
+                <a:solidFill>
+                  <a:schemeClr val="accent1"/>
+                </a:solidFill>
+                <a:latin typeface="Assistant"/>
+                <a:ea typeface="Assistant"/>
+                <a:cs typeface="Assistant"/>
+                <a:sym typeface="Assistant"/>
+              </a:rPr>
+              <a:t/>
+            </a:r>
             <a:br>
               <a:rPr lang="pt-BR" dirty="0">
                 <a:solidFill>
@@ -18735,6 +18835,13 @@
   <p:clrMapOvr>
     <a:masterClrMapping/>
   </p:clrMapOvr>
+  <p:timing>
+    <p:tnLst>
+      <p:par>
+        <p:cTn id="1" dur="indefinite" restart="never" nodeType="tmRoot"/>
+      </p:par>
+    </p:tnLst>
+  </p:timing>
 </p:sld>
 </file>
 
@@ -18763,28 +18870,27 @@
       </p:grpSpPr>
       <p:pic>
         <p:nvPicPr>
-          <p:cNvPr id="6" name="Imagem 5">
-            <a:extLst>
-              <a:ext uri="{FF2B5EF4-FFF2-40B4-BE49-F238E27FC236}">
-                <a16:creationId xmlns:a16="http://schemas.microsoft.com/office/drawing/2014/main" id="{F3D2AD38-AFEB-44D7-9803-67FC74439537}"/>
-              </a:ext>
-            </a:extLst>
-          </p:cNvPr>
+          <p:cNvPr id="2" name="Imagem 1"/>
           <p:cNvPicPr>
             <a:picLocks noChangeAspect="1"/>
           </p:cNvPicPr>
           <p:nvPr/>
         </p:nvPicPr>
-        <p:blipFill>
-          <a:blip r:embed="rId2"/>
-          <a:stretch>
-            <a:fillRect/>
-          </a:stretch>
+        <p:blipFill rotWithShape="1">
+          <a:blip r:embed="rId2">
+            <a:extLst>
+              <a:ext uri="{28A0092B-C50C-407E-A947-70E740481C1C}">
+                <a14:useLocalDpi xmlns:a14="http://schemas.microsoft.com/office/drawing/2010/main" val="0"/>
+              </a:ext>
+            </a:extLst>
+          </a:blip>
+          <a:srcRect l="9950" t="1861" r="4656" b="8009"/>
+          <a:stretch/>
         </p:blipFill>
         <p:spPr>
           <a:xfrm>
-            <a:off x="927100" y="217752"/>
-            <a:ext cx="7289800" cy="4707996"/>
+            <a:off x="1228060" y="233915"/>
+            <a:ext cx="6687880" cy="4635795"/>
           </a:xfrm>
           <a:prstGeom prst="rect">
             <a:avLst/>
@@ -18801,6 +18907,13 @@
   <p:clrMapOvr>
     <a:masterClrMapping/>
   </p:clrMapOvr>
+  <p:timing>
+    <p:tnLst>
+      <p:par>
+        <p:cTn id="1" dur="indefinite" restart="never" nodeType="tmRoot"/>
+      </p:par>
+    </p:tnLst>
+  </p:timing>
 </p:sld>
 </file>
 
@@ -18967,6 +19080,13 @@
   <p:clrMapOvr>
     <a:masterClrMapping/>
   </p:clrMapOvr>
+  <p:timing>
+    <p:tnLst>
+      <p:par>
+        <p:cTn id="1" dur="indefinite" restart="never" nodeType="tmRoot"/>
+      </p:par>
+    </p:tnLst>
+  </p:timing>
 </p:sld>
 </file>
 
@@ -21208,6 +21328,18 @@
                 <a:sym typeface="Assistant"/>
               </a:rPr>
             </a:br>
+            <a:r>
+              <a:rPr lang="pt-BR" dirty="0">
+                <a:solidFill>
+                  <a:schemeClr val="accent1"/>
+                </a:solidFill>
+                <a:latin typeface="Assistant"/>
+                <a:ea typeface="Assistant"/>
+                <a:cs typeface="Assistant"/>
+                <a:sym typeface="Assistant"/>
+              </a:rPr>
+              <a:t/>
+            </a:r>
             <a:br>
               <a:rPr lang="pt-BR" dirty="0">
                 <a:solidFill>
@@ -21242,6 +21374,18 @@
                 <a:sym typeface="Assistant"/>
               </a:rPr>
             </a:br>
+            <a:r>
+              <a:rPr lang="pt-BR" dirty="0">
+                <a:solidFill>
+                  <a:schemeClr val="accent1"/>
+                </a:solidFill>
+                <a:latin typeface="Assistant"/>
+                <a:ea typeface="Assistant"/>
+                <a:cs typeface="Assistant"/>
+                <a:sym typeface="Assistant"/>
+              </a:rPr>
+              <a:t/>
+            </a:r>
             <a:br>
               <a:rPr lang="pt-BR" dirty="0">
                 <a:solidFill>
@@ -21276,6 +21420,18 @@
                 <a:sym typeface="Assistant"/>
               </a:rPr>
             </a:br>
+            <a:r>
+              <a:rPr lang="pt-BR" dirty="0">
+                <a:solidFill>
+                  <a:schemeClr val="accent1"/>
+                </a:solidFill>
+                <a:latin typeface="Assistant"/>
+                <a:ea typeface="Assistant"/>
+                <a:cs typeface="Assistant"/>
+                <a:sym typeface="Assistant"/>
+              </a:rPr>
+              <a:t/>
+            </a:r>
             <a:br>
               <a:rPr lang="pt-BR" dirty="0">
                 <a:solidFill>
@@ -21310,6 +21466,18 @@
                 <a:sym typeface="Assistant"/>
               </a:rPr>
             </a:br>
+            <a:r>
+              <a:rPr lang="pt-BR" dirty="0">
+                <a:solidFill>
+                  <a:schemeClr val="accent1"/>
+                </a:solidFill>
+                <a:latin typeface="Assistant"/>
+                <a:ea typeface="Assistant"/>
+                <a:cs typeface="Assistant"/>
+                <a:sym typeface="Assistant"/>
+              </a:rPr>
+              <a:t/>
+            </a:r>
             <a:br>
               <a:rPr lang="pt-BR" dirty="0">
                 <a:solidFill>
@@ -21344,6 +21512,18 @@
                 <a:sym typeface="Assistant"/>
               </a:rPr>
             </a:br>
+            <a:r>
+              <a:rPr lang="pt-BR" dirty="0">
+                <a:solidFill>
+                  <a:schemeClr val="accent1"/>
+                </a:solidFill>
+                <a:latin typeface="Assistant"/>
+                <a:ea typeface="Assistant"/>
+                <a:cs typeface="Assistant"/>
+                <a:sym typeface="Assistant"/>
+              </a:rPr>
+              <a:t/>
+            </a:r>
             <a:br>
               <a:rPr lang="pt-BR" dirty="0">
                 <a:solidFill>
